--- a/DEVSQL_03_RowStoreIndex/DEVSQL_03A_RowStore.pptx
+++ b/DEVSQL_03_RowStoreIndex/DEVSQL_03A_RowStore.pptx
@@ -236,7 +236,7 @@
           <a:p>
             <a:fld id="{A72FB546-F199-4B4F-99BF-57E72CB8BE0D}" type="datetimeFigureOut">
               <a:rPr lang="en-GB" smtClean="0"/>
-              <a:t>26/08/2018</a:t>
+              <a:t>18/10/2018</a:t>
             </a:fld>
             <a:endParaRPr lang="en-GB"/>
           </a:p>
@@ -728,7 +728,7 @@
           <a:p>
             <a:fld id="{857DA5DA-479B-4C89-AEE5-59ECD449C91A}" type="datetime1">
               <a:rPr lang="en-US" smtClean="0"/>
-              <a:t>8/26/2018</a:t>
+              <a:t>10/18/2018</a:t>
             </a:fld>
             <a:endParaRPr lang="en-US" dirty="0"/>
           </a:p>
@@ -903,7 +903,7 @@
           <a:p>
             <a:fld id="{AC6BE4E2-1A95-45A2-93B9-EA8156DBE7E6}" type="datetime1">
               <a:rPr lang="en-US" smtClean="0"/>
-              <a:t>8/26/2018</a:t>
+              <a:t>10/18/2018</a:t>
             </a:fld>
             <a:endParaRPr lang="en-US" dirty="0"/>
           </a:p>
@@ -1087,7 +1087,7 @@
           <a:p>
             <a:fld id="{C316F55D-8099-4020-938F-03F54B73FFEA}" type="datetime1">
               <a:rPr lang="en-US" smtClean="0"/>
-              <a:t>8/26/2018</a:t>
+              <a:t>10/18/2018</a:t>
             </a:fld>
             <a:endParaRPr lang="en-US" dirty="0"/>
           </a:p>
@@ -1261,7 +1261,7 @@
           <a:p>
             <a:fld id="{FAB8A950-96C4-403F-A664-3DBF301F7B1E}" type="datetime1">
               <a:rPr lang="en-US" smtClean="0"/>
-              <a:t>8/26/2018</a:t>
+              <a:t>10/18/2018</a:t>
             </a:fld>
             <a:endParaRPr lang="en-US" dirty="0"/>
           </a:p>
@@ -1523,7 +1523,7 @@
           <a:p>
             <a:fld id="{FAE835E8-8AC5-4B34-9C85-E773F86FFC83}" type="datetime1">
               <a:rPr lang="en-US" smtClean="0"/>
-              <a:t>8/26/2018</a:t>
+              <a:t>10/18/2018</a:t>
             </a:fld>
             <a:endParaRPr lang="en-US" dirty="0"/>
           </a:p>
@@ -1816,7 +1816,7 @@
           <a:p>
             <a:fld id="{3F968281-389E-40E7-A58F-AC69639767C0}" type="datetime1">
               <a:rPr lang="en-US" smtClean="0"/>
-              <a:t>8/26/2018</a:t>
+              <a:t>10/18/2018</a:t>
             </a:fld>
             <a:endParaRPr lang="en-US" dirty="0"/>
           </a:p>
@@ -2262,7 +2262,7 @@
           <a:p>
             <a:fld id="{91A55F6E-6D9B-43B6-A59C-0AAFDE210E83}" type="datetime1">
               <a:rPr lang="en-US" smtClean="0"/>
-              <a:t>8/26/2018</a:t>
+              <a:t>10/18/2018</a:t>
             </a:fld>
             <a:endParaRPr lang="en-US" dirty="0"/>
           </a:p>
@@ -2384,7 +2384,7 @@
           <a:p>
             <a:fld id="{32A7F948-08E9-406C-934D-630582EAAE8D}" type="datetime1">
               <a:rPr lang="en-US" smtClean="0"/>
-              <a:t>8/26/2018</a:t>
+              <a:t>10/18/2018</a:t>
             </a:fld>
             <a:endParaRPr lang="en-US" dirty="0"/>
           </a:p>
@@ -2483,7 +2483,7 @@
           <a:p>
             <a:fld id="{377DC438-CCF7-42A4-8AC7-1DC7F7D98D84}" type="datetime1">
               <a:rPr lang="en-US" smtClean="0"/>
-              <a:t>8/26/2018</a:t>
+              <a:t>10/18/2018</a:t>
             </a:fld>
             <a:endParaRPr lang="en-US" dirty="0"/>
           </a:p>
@@ -2775,7 +2775,7 @@
           <a:p>
             <a:fld id="{AC0AAFFC-562D-4701-A768-2AB589FD7FE1}" type="datetime1">
               <a:rPr lang="en-US" smtClean="0"/>
-              <a:t>8/26/2018</a:t>
+              <a:t>10/18/2018</a:t>
             </a:fld>
             <a:endParaRPr lang="en-US" dirty="0"/>
           </a:p>
@@ -3053,7 +3053,7 @@
           <a:p>
             <a:fld id="{D1E878CD-FD3D-418D-B412-340A62732303}" type="datetime1">
               <a:rPr lang="en-US" smtClean="0"/>
-              <a:t>8/26/2018</a:t>
+              <a:t>10/18/2018</a:t>
             </a:fld>
             <a:endParaRPr lang="en-US" dirty="0"/>
           </a:p>
@@ -3355,7 +3355,7 @@
           <a:p>
             <a:fld id="{04465EF3-A9A2-4F2C-93C5-2EA0CA8FBD02}" type="datetime1">
               <a:rPr lang="en-US" smtClean="0"/>
-              <a:t>8/26/2018</a:t>
+              <a:t>10/18/2018</a:t>
             </a:fld>
             <a:endParaRPr lang="en-US" dirty="0"/>
           </a:p>
@@ -4070,7 +4070,7 @@
           <p:cNvPr id="5" name="Symbol zastępczy stopki 11">
             <a:extLst>
               <a:ext uri="{FF2B5EF4-FFF2-40B4-BE49-F238E27FC236}">
-                <a16:creationId xmlns:a16="http://schemas.microsoft.com/office/drawing/2014/main" id="{56F622CE-530F-4DB8-87BF-36401E7798D9}"/>
+                <a16:creationId xmlns="" xmlns:a16="http://schemas.microsoft.com/office/drawing/2014/main" id="{56F622CE-530F-4DB8-87BF-36401E7798D9}"/>
               </a:ext>
             </a:extLst>
           </p:cNvPr>
@@ -4187,7 +4187,7 @@
           <p:cNvPr id="5" name="Symbol zastępczy stopki 11">
             <a:extLst>
               <a:ext uri="{FF2B5EF4-FFF2-40B4-BE49-F238E27FC236}">
-                <a16:creationId xmlns:a16="http://schemas.microsoft.com/office/drawing/2014/main" id="{56F622CE-530F-4DB8-87BF-36401E7798D9}"/>
+                <a16:creationId xmlns="" xmlns:a16="http://schemas.microsoft.com/office/drawing/2014/main" id="{56F622CE-530F-4DB8-87BF-36401E7798D9}"/>
               </a:ext>
             </a:extLst>
           </p:cNvPr>
@@ -4221,7 +4221,7 @@
           <p:cNvPr id="3" name="Obraz 2">
             <a:extLst>
               <a:ext uri="{FF2B5EF4-FFF2-40B4-BE49-F238E27FC236}">
-                <a16:creationId xmlns:a16="http://schemas.microsoft.com/office/drawing/2014/main" id="{4CC31EDE-27BC-49C5-A06A-2CFB4FE2E9FD}"/>
+                <a16:creationId xmlns="" xmlns:a16="http://schemas.microsoft.com/office/drawing/2014/main" id="{4CC31EDE-27BC-49C5-A06A-2CFB4FE2E9FD}"/>
               </a:ext>
             </a:extLst>
           </p:cNvPr>
@@ -4285,7 +4285,7 @@
         <p:spPr>
           <a:xfrm>
             <a:off x="604007" y="662730"/>
-            <a:ext cx="9991288" cy="3354765"/>
+            <a:ext cx="7154946" cy="3908762"/>
           </a:xfrm>
           <a:prstGeom prst="rect">
             <a:avLst/>
@@ -4396,8 +4396,8 @@
         </p:blipFill>
         <p:spPr>
           <a:xfrm>
-            <a:off x="1865510" y="3948285"/>
-            <a:ext cx="7915275" cy="2200275"/>
+            <a:off x="604007" y="4730075"/>
+            <a:ext cx="5247984" cy="1458826"/>
           </a:xfrm>
           <a:prstGeom prst="rect">
             <a:avLst/>
@@ -4409,7 +4409,7 @@
           <p:cNvPr id="6" name="Symbol zastępczy stopki 11">
             <a:extLst>
               <a:ext uri="{FF2B5EF4-FFF2-40B4-BE49-F238E27FC236}">
-                <a16:creationId xmlns:a16="http://schemas.microsoft.com/office/drawing/2014/main" id="{CEC37D77-3DD9-4F7E-9275-7155CDBC2424}"/>
+                <a16:creationId xmlns="" xmlns:a16="http://schemas.microsoft.com/office/drawing/2014/main" id="{CEC37D77-3DD9-4F7E-9275-7155CDBC2424}"/>
               </a:ext>
             </a:extLst>
           </p:cNvPr>
@@ -4438,6 +4438,30 @@
           </a:p>
         </p:txBody>
       </p:sp>
+      <p:pic>
+        <p:nvPicPr>
+          <p:cNvPr id="3" name="Picture 2"/>
+          <p:cNvPicPr>
+            <a:picLocks noChangeAspect="1"/>
+          </p:cNvPicPr>
+          <p:nvPr/>
+        </p:nvPicPr>
+        <p:blipFill>
+          <a:blip r:embed="rId3"/>
+          <a:stretch>
+            <a:fillRect/>
+          </a:stretch>
+        </p:blipFill>
+        <p:spPr>
+          <a:xfrm>
+            <a:off x="7965398" y="662730"/>
+            <a:ext cx="3630774" cy="5296087"/>
+          </a:xfrm>
+          <a:prstGeom prst="rect">
+            <a:avLst/>
+          </a:prstGeom>
+        </p:spPr>
+      </p:pic>
     </p:spTree>
     <p:extLst>
       <p:ext uri="{BB962C8B-B14F-4D97-AF65-F5344CB8AC3E}">
@@ -4576,7 +4600,7 @@
           <p:cNvPr id="5" name="Symbol zastępczy stopki 11">
             <a:extLst>
               <a:ext uri="{FF2B5EF4-FFF2-40B4-BE49-F238E27FC236}">
-                <a16:creationId xmlns:a16="http://schemas.microsoft.com/office/drawing/2014/main" id="{04ADA2A0-E47F-4FB2-9242-A65A0846409E}"/>
+                <a16:creationId xmlns="" xmlns:a16="http://schemas.microsoft.com/office/drawing/2014/main" id="{04ADA2A0-E47F-4FB2-9242-A65A0846409E}"/>
               </a:ext>
             </a:extLst>
           </p:cNvPr>
@@ -4693,7 +4717,7 @@
           <p:cNvPr id="5" name="Symbol zastępczy stopki 11">
             <a:extLst>
               <a:ext uri="{FF2B5EF4-FFF2-40B4-BE49-F238E27FC236}">
-                <a16:creationId xmlns:a16="http://schemas.microsoft.com/office/drawing/2014/main" id="{04ADA2A0-E47F-4FB2-9242-A65A0846409E}"/>
+                <a16:creationId xmlns="" xmlns:a16="http://schemas.microsoft.com/office/drawing/2014/main" id="{04ADA2A0-E47F-4FB2-9242-A65A0846409E}"/>
               </a:ext>
             </a:extLst>
           </p:cNvPr>
@@ -4727,7 +4751,7 @@
           <p:cNvPr id="2" name="Obraz 1">
             <a:extLst>
               <a:ext uri="{FF2B5EF4-FFF2-40B4-BE49-F238E27FC236}">
-                <a16:creationId xmlns:a16="http://schemas.microsoft.com/office/drawing/2014/main" id="{539C7F65-34E4-4ABC-83B7-133C77674B80}"/>
+                <a16:creationId xmlns="" xmlns:a16="http://schemas.microsoft.com/office/drawing/2014/main" id="{539C7F65-34E4-4ABC-83B7-133C77674B80}"/>
               </a:ext>
             </a:extLst>
           </p:cNvPr>
@@ -4906,7 +4930,7 @@
           <p:cNvPr id="5" name="Symbol zastępczy stopki 11">
             <a:extLst>
               <a:ext uri="{FF2B5EF4-FFF2-40B4-BE49-F238E27FC236}">
-                <a16:creationId xmlns:a16="http://schemas.microsoft.com/office/drawing/2014/main" id="{959B7BB9-5A13-4A74-8C2E-E6C6E706FE2F}"/>
+                <a16:creationId xmlns="" xmlns:a16="http://schemas.microsoft.com/office/drawing/2014/main" id="{959B7BB9-5A13-4A74-8C2E-E6C6E706FE2F}"/>
               </a:ext>
             </a:extLst>
           </p:cNvPr>
@@ -5069,7 +5093,7 @@
           <p:cNvPr id="5" name="Symbol zastępczy stopki 11">
             <a:extLst>
               <a:ext uri="{FF2B5EF4-FFF2-40B4-BE49-F238E27FC236}">
-                <a16:creationId xmlns:a16="http://schemas.microsoft.com/office/drawing/2014/main" id="{5BDC1EC4-4832-44E6-AB3E-E093CA4F4293}"/>
+                <a16:creationId xmlns="" xmlns:a16="http://schemas.microsoft.com/office/drawing/2014/main" id="{5BDC1EC4-4832-44E6-AB3E-E093CA4F4293}"/>
               </a:ext>
             </a:extLst>
           </p:cNvPr>
@@ -5281,7 +5305,7 @@
           <p:cNvPr id="5" name="Symbol zastępczy stopki 11">
             <a:extLst>
               <a:ext uri="{FF2B5EF4-FFF2-40B4-BE49-F238E27FC236}">
-                <a16:creationId xmlns:a16="http://schemas.microsoft.com/office/drawing/2014/main" id="{CFA6F3AC-E3F3-4C5A-9F0A-2B6B14EE121D}"/>
+                <a16:creationId xmlns="" xmlns:a16="http://schemas.microsoft.com/office/drawing/2014/main" id="{CFA6F3AC-E3F3-4C5A-9F0A-2B6B14EE121D}"/>
               </a:ext>
             </a:extLst>
           </p:cNvPr>
@@ -5844,7 +5868,7 @@
           <p:cNvPr id="4" name="Obraz 3">
             <a:extLst>
               <a:ext uri="{FF2B5EF4-FFF2-40B4-BE49-F238E27FC236}">
-                <a16:creationId xmlns:a16="http://schemas.microsoft.com/office/drawing/2014/main" id="{BBA68949-F167-433C-A91D-53E7859C4ADC}"/>
+                <a16:creationId xmlns="" xmlns:a16="http://schemas.microsoft.com/office/drawing/2014/main" id="{BBA68949-F167-433C-A91D-53E7859C4ADC}"/>
               </a:ext>
             </a:extLst>
           </p:cNvPr>
@@ -6046,7 +6070,7 @@
           <p:cNvPr id="3" name="Obraz 2">
             <a:extLst>
               <a:ext uri="{FF2B5EF4-FFF2-40B4-BE49-F238E27FC236}">
-                <a16:creationId xmlns:a16="http://schemas.microsoft.com/office/drawing/2014/main" id="{A81D90CF-5461-4AC6-BE1D-3A3F65ABBF7E}"/>
+                <a16:creationId xmlns="" xmlns:a16="http://schemas.microsoft.com/office/drawing/2014/main" id="{A81D90CF-5461-4AC6-BE1D-3A3F65ABBF7E}"/>
               </a:ext>
             </a:extLst>
           </p:cNvPr>
@@ -6231,7 +6255,7 @@
           <p:cNvPr id="6" name="Obraz 5">
             <a:extLst>
               <a:ext uri="{FF2B5EF4-FFF2-40B4-BE49-F238E27FC236}">
-                <a16:creationId xmlns:a16="http://schemas.microsoft.com/office/drawing/2014/main" id="{35CFEA49-EC9C-479E-9DA3-2FE553DC10A3}"/>
+                <a16:creationId xmlns="" xmlns:a16="http://schemas.microsoft.com/office/drawing/2014/main" id="{35CFEA49-EC9C-479E-9DA3-2FE553DC10A3}"/>
               </a:ext>
             </a:extLst>
           </p:cNvPr>
@@ -6295,7 +6319,7 @@
         <p:spPr>
           <a:xfrm>
             <a:off x="489706" y="624631"/>
-            <a:ext cx="10496346" cy="4678204"/>
+            <a:ext cx="10496346" cy="5232202"/>
           </a:xfrm>
           <a:prstGeom prst="rect">
             <a:avLst/>
@@ -6452,9 +6476,37 @@
           <a:p>
             <a:r>
               <a:rPr lang="en-US" dirty="0"/>
-              <a:t>A heap or B-tree can have only one allocation unit of each type in a specific partition.</a:t>
-            </a:r>
+              <a:t>A heap or B-tree can have only one allocation unit of each type in a specific partition</a:t>
+            </a:r>
+            <a:r>
+              <a:rPr lang="en-US" dirty="0" smtClean="0"/>
+              <a:t>.</a:t>
+            </a:r>
+            <a:endParaRPr lang="pl-PL" dirty="0" smtClean="0"/>
+          </a:p>
+          <a:p>
             <a:endParaRPr lang="pl-PL" dirty="0"/>
+          </a:p>
+          <a:p>
+            <a:r>
+              <a:rPr lang="pl-PL">
+                <a:hlinkClick r:id="rId2"/>
+              </a:rPr>
+              <a:t>https://</a:t>
+            </a:r>
+            <a:r>
+              <a:rPr lang="pl-PL">
+                <a:hlinkClick r:id="rId2"/>
+              </a:rPr>
+              <a:t>pl.seequality.net/jednostki-alokacji-w-sql-server-czyli-in_row_data-row_overflow_data-i-lob_data</a:t>
+            </a:r>
+            <a:r>
+              <a:rPr lang="pl-PL" smtClean="0">
+                <a:hlinkClick r:id="rId2"/>
+              </a:rPr>
+              <a:t>/</a:t>
+            </a:r>
+            <a:endParaRPr lang="pl-PL" smtClean="0"/>
           </a:p>
         </p:txBody>
       </p:sp>
